--- a/preliminaries.pptx
+++ b/preliminaries.pptx
@@ -121,6 +121,11 @@
       </a:defRPr>
     </a:lvl9pPr>
   </p:defaultTextStyle>
+  <p:extLst>
+    <p:ext uri="{EFAFB233-063F-42B5-8137-9DF3F51BA10A}">
+      <p15:sldGuideLst xmlns:p15="http://schemas.microsoft.com/office/powerpoint/2012/main"/>
+    </p:ext>
+  </p:extLst>
 </p:presentation>
 </file>
 
@@ -4199,7 +4204,9 @@
         </p:nvSpPr>
         <p:spPr/>
         <p:txBody>
-          <a:bodyPr/>
+          <a:bodyPr>
+            <a:normAutofit fontScale="92500" lnSpcReduction="10000"/>
+          </a:bodyPr>
           <a:lstStyle/>
           <a:p>
             <a:r>
@@ -4290,6 +4297,20 @@
               <a:rPr lang="en-US" dirty="0"/>
               <a:t>Any of the above books will do</a:t>
             </a:r>
+          </a:p>
+          <a:p>
+            <a:pPr marL="0" indent="0">
+              <a:buNone/>
+            </a:pPr>
+            <a:r>
+              <a:rPr lang="en-US" dirty="0"/>
+              <a:t>I will try to upload the slides before the following class; likely up to the </a:t>
+            </a:r>
+            <a:r>
+              <a:rPr lang="en-US"/>
+              <a:t>night before</a:t>
+            </a:r>
+            <a:endParaRPr lang="en-US" dirty="0"/>
           </a:p>
         </p:txBody>
       </p:sp>

--- a/preliminaries.pptx
+++ b/preliminaries.pptx
@@ -4445,10 +4445,15 @@
             <p:ph idx="1"/>
           </p:nvPr>
         </p:nvSpPr>
-        <p:spPr/>
+        <p:spPr>
+          <a:xfrm>
+            <a:off x="838200" y="1604566"/>
+            <a:ext cx="10515600" cy="4351338"/>
+          </a:xfrm>
+        </p:spPr>
         <p:txBody>
           <a:bodyPr>
-            <a:normAutofit fontScale="85000" lnSpcReduction="20000"/>
+            <a:normAutofit fontScale="77500" lnSpcReduction="20000"/>
           </a:bodyPr>
           <a:lstStyle/>
           <a:p>
@@ -4525,7 +4530,7 @@
             </a:pPr>
             <a:r>
               <a:rPr lang="en-US" dirty="0"/>
-              <a:t>Type Systems (Chapter 7 and 8): 1.5 weeks</a:t>
+              <a:t>Type Systems (Chapter 7 and 8): 1. weeks</a:t>
             </a:r>
           </a:p>
           <a:p>
@@ -4556,6 +4561,20 @@
             <a:r>
               <a:rPr lang="en-US" dirty="0"/>
               <a:t>Scripting Languages (Chapter 14): 1.5 weeks</a:t>
+            </a:r>
+          </a:p>
+          <a:p>
+            <a:pPr marL="514350" indent="-514350">
+              <a:buFont typeface="+mj-lt"/>
+              <a:buAutoNum type="arabicPeriod"/>
+            </a:pPr>
+            <a:r>
+              <a:rPr lang="en-US" dirty="0">
+                <a:solidFill>
+                  <a:srgbClr val="0070C0"/>
+                </a:solidFill>
+              </a:rPr>
+              <a:t>Overview of Compiler Optimizations (Not covered in book): 1 week</a:t>
             </a:r>
           </a:p>
         </p:txBody>
@@ -4626,13 +4645,15 @@
               </a:ext>
             </a:extLst>
           </p:cNvPr>
-          <p:cNvCxnSpPr/>
+          <p:cNvCxnSpPr>
+            <a:cxnSpLocks/>
+          </p:cNvCxnSpPr>
           <p:nvPr/>
         </p:nvCxnSpPr>
         <p:spPr>
           <a:xfrm>
-            <a:off x="576943" y="4267200"/>
-            <a:ext cx="9133114" cy="0"/>
+            <a:off x="522514" y="3973285"/>
+            <a:ext cx="10580915" cy="0"/>
           </a:xfrm>
           <a:prstGeom prst="line">
             <a:avLst/>

--- a/preliminaries.pptx
+++ b/preliminaries.pptx
@@ -211,7 +211,7 @@
           <a:p>
             <a:fld id="{B1705F56-3A3C-9F45-82E1-974975E83314}" type="datetimeFigureOut">
               <a:rPr lang="en-US" smtClean="0"/>
-              <a:t>1/12/20</a:t>
+              <a:t>2/12/20</a:t>
             </a:fld>
             <a:endParaRPr lang="en-US"/>
           </a:p>
@@ -625,7 +625,7 @@
           <a:p>
             <a:fld id="{B636A413-A1CC-CD48-9584-751D89CE81E1}" type="datetime1">
               <a:rPr lang="en-US" smtClean="0"/>
-              <a:t>1/12/20</a:t>
+              <a:t>2/12/20</a:t>
             </a:fld>
             <a:endParaRPr lang="en-US"/>
           </a:p>
@@ -826,7 +826,7 @@
           <a:p>
             <a:fld id="{E1354D63-68F0-9647-B536-4263FBF27E9F}" type="datetime1">
               <a:rPr lang="en-US" smtClean="0"/>
-              <a:t>1/12/20</a:t>
+              <a:t>2/12/20</a:t>
             </a:fld>
             <a:endParaRPr lang="en-US"/>
           </a:p>
@@ -1037,7 +1037,7 @@
           <a:p>
             <a:fld id="{F5D9CFB9-61F7-8A4C-AD69-67C2D113D776}" type="datetime1">
               <a:rPr lang="en-US" smtClean="0"/>
-              <a:t>1/12/20</a:t>
+              <a:t>2/12/20</a:t>
             </a:fld>
             <a:endParaRPr lang="en-US"/>
           </a:p>
@@ -1238,7 +1238,7 @@
           <a:p>
             <a:fld id="{FAD571EC-F5A0-FD49-8239-D310E199B9F3}" type="datetime1">
               <a:rPr lang="en-US" smtClean="0"/>
-              <a:t>1/12/20</a:t>
+              <a:t>2/12/20</a:t>
             </a:fld>
             <a:endParaRPr lang="en-US"/>
           </a:p>
@@ -1516,7 +1516,7 @@
           <a:p>
             <a:fld id="{BC16F984-79D0-D341-8C08-3C6D93E11D18}" type="datetime1">
               <a:rPr lang="en-US" smtClean="0"/>
-              <a:t>1/12/20</a:t>
+              <a:t>2/12/20</a:t>
             </a:fld>
             <a:endParaRPr lang="en-US"/>
           </a:p>
@@ -1784,7 +1784,7 @@
           <a:p>
             <a:fld id="{5A5A3D16-5D9A-6D4D-85BF-98D6AFE50F81}" type="datetime1">
               <a:rPr lang="en-US" smtClean="0"/>
-              <a:t>1/12/20</a:t>
+              <a:t>2/12/20</a:t>
             </a:fld>
             <a:endParaRPr lang="en-US"/>
           </a:p>
@@ -2199,7 +2199,7 @@
           <a:p>
             <a:fld id="{FAC4073C-E934-844C-850F-5144159CD358}" type="datetime1">
               <a:rPr lang="en-US" smtClean="0"/>
-              <a:t>1/12/20</a:t>
+              <a:t>2/12/20</a:t>
             </a:fld>
             <a:endParaRPr lang="en-US"/>
           </a:p>
@@ -2343,7 +2343,7 @@
           <a:p>
             <a:fld id="{2BF32EF1-264C-B948-B02C-28DB295F8177}" type="datetime1">
               <a:rPr lang="en-US" smtClean="0"/>
-              <a:t>1/12/20</a:t>
+              <a:t>2/12/20</a:t>
             </a:fld>
             <a:endParaRPr lang="en-US"/>
           </a:p>
@@ -2459,7 +2459,7 @@
           <a:p>
             <a:fld id="{50BD370F-BC0F-4547-BA0C-9B1A91BB0139}" type="datetime1">
               <a:rPr lang="en-US" smtClean="0"/>
-              <a:t>1/12/20</a:t>
+              <a:t>2/12/20</a:t>
             </a:fld>
             <a:endParaRPr lang="en-US"/>
           </a:p>
@@ -2773,7 +2773,7 @@
           <a:p>
             <a:fld id="{410B318A-D3FE-0A45-8302-770BB2BBADA1}" type="datetime1">
               <a:rPr lang="en-US" smtClean="0"/>
-              <a:t>1/12/20</a:t>
+              <a:t>2/12/20</a:t>
             </a:fld>
             <a:endParaRPr lang="en-US"/>
           </a:p>
@@ -3064,7 +3064,7 @@
           <a:p>
             <a:fld id="{71D2B0EA-B374-764B-A3CE-44052DF0C9A6}" type="datetime1">
               <a:rPr lang="en-US" smtClean="0"/>
-              <a:t>1/12/20</a:t>
+              <a:t>2/12/20</a:t>
             </a:fld>
             <a:endParaRPr lang="en-US"/>
           </a:p>
@@ -3308,7 +3308,7 @@
           <a:p>
             <a:fld id="{683A4360-EFAF-A345-A6F4-DC5461235985}" type="datetime1">
               <a:rPr lang="en-US" smtClean="0"/>
-              <a:t>1/12/20</a:t>
+              <a:t>2/12/20</a:t>
             </a:fld>
             <a:endParaRPr lang="en-US"/>
           </a:p>
@@ -5559,28 +5559,16 @@
           </a:p>
           <a:p>
             <a:r>
-              <a:rPr lang="en-US" dirty="0">
-                <a:highlight>
-                  <a:srgbClr val="00FF00"/>
-                </a:highlight>
-              </a:rPr>
+              <a:rPr lang="en-US" dirty="0"/>
               <a:t>February 17</a:t>
             </a:r>
             <a:r>
-              <a:rPr lang="en-US" baseline="30000" dirty="0">
-                <a:highlight>
-                  <a:srgbClr val="00FF00"/>
-                </a:highlight>
-              </a:rPr>
+              <a:rPr lang="en-US" baseline="30000" dirty="0"/>
               <a:t>th</a:t>
             </a:r>
             <a:r>
-              <a:rPr lang="en-US" dirty="0">
-                <a:highlight>
-                  <a:srgbClr val="00FF00"/>
-                </a:highlight>
-              </a:rPr>
-              <a:t> (Presidents’ Day): Holiday </a:t>
+              <a:rPr lang="en-US" dirty="0"/>
+              <a:t> (Presidents’ Day): Not Holiday (My bad) </a:t>
             </a:r>
           </a:p>
           <a:p>
@@ -6226,10 +6214,14 @@
             </a:r>
             <a:r>
               <a:rPr lang="en-US" dirty="0"/>
-              <a:t>, February 3</a:t>
-            </a:r>
-            <a:r>
-              <a:rPr lang="en-US" baseline="30000" dirty="0"/>
+              <a:t>, </a:t>
+            </a:r>
+            <a:r>
+              <a:rPr lang="en-US" strike="sngStrike" dirty="0"/>
+              <a:t>February 3</a:t>
+            </a:r>
+            <a:r>
+              <a:rPr lang="en-US" strike="sngStrike" baseline="30000" dirty="0"/>
               <a:t>rd</a:t>
             </a:r>
             <a:r>
@@ -6250,21 +6242,58 @@
             </a:r>
             <a:r>
               <a:rPr lang="en-US" dirty="0"/>
-              <a:t>, February 26</a:t>
-            </a:r>
-            <a:r>
-              <a:rPr lang="en-US" baseline="30000" dirty="0"/>
+              <a:t>, February </a:t>
+            </a:r>
+            <a:r>
+              <a:rPr lang="en-US"/>
+              <a:t>26</a:t>
+            </a:r>
+            <a:r>
+              <a:rPr lang="en-US" baseline="30000"/>
               <a:t>th</a:t>
             </a:r>
             <a:r>
-              <a:rPr lang="en-US" dirty="0"/>
+              <a:rPr lang="en-US"/>
               <a:t> </a:t>
             </a:r>
-          </a:p>
-          <a:p>
-            <a:r>
-              <a:rPr lang="en-US" dirty="0"/>
-              <a:t>Post-midterm quizzes: April 1</a:t>
+            <a:endParaRPr lang="en-US" b="1" dirty="0">
+              <a:solidFill>
+                <a:srgbClr val="FF0000"/>
+              </a:solidFill>
+            </a:endParaRPr>
+          </a:p>
+          <a:p>
+            <a:r>
+              <a:rPr lang="en-US" dirty="0"/>
+              <a:t>Post-midterm quizzes: </a:t>
+            </a:r>
+            <a:r>
+              <a:rPr lang="en-US" b="1" dirty="0">
+                <a:solidFill>
+                  <a:srgbClr val="FF0000"/>
+                </a:solidFill>
+              </a:rPr>
+              <a:t>March 9</a:t>
+            </a:r>
+            <a:r>
+              <a:rPr lang="en-US" b="1" baseline="30000" dirty="0">
+                <a:solidFill>
+                  <a:srgbClr val="FF0000"/>
+                </a:solidFill>
+              </a:rPr>
+              <a:t>th</a:t>
+            </a:r>
+            <a:r>
+              <a:rPr lang="en-US" b="1" dirty="0">
+                <a:solidFill>
+                  <a:srgbClr val="FF0000"/>
+                </a:solidFill>
+              </a:rPr>
+              <a:t> , </a:t>
+            </a:r>
+            <a:r>
+              <a:rPr lang="en-US" dirty="0"/>
+              <a:t>April 1</a:t>
             </a:r>
             <a:r>
               <a:rPr lang="en-US" baseline="30000" dirty="0"/>
